--- a/ChangeQueryExport/unifiedactiontracker-Technical Feedback-12-19-2023-Export.pptx
+++ b/ChangeQueryExport/unifiedactiontracker-Technical Feedback-12-19-2023-Export.pptx
@@ -6,7 +6,7 @@
   </p:sldMasterIdLst>
   <p:sldIdLst>
     <p:sldId id="256" r:id="rId2"/>
-    <p:sldId id="258" r:id="R65327f2478bb4e57"/>
+    <p:sldId id="258" r:id="R0e34d47079a84dcb"/>
     <p:sldId id="257" r:id="rId3"/>
   </p:sldIdLst>
   <p:sldSz cx="12192000" cy="6858000"/>
@@ -1069,51 +1069,6 @@
       </p:sp>
       <p:sp>
         <p:nvSpPr>
-          <p:cNvPr id="6" name="Header1">
-            <a:extLst>
-              <a:ext uri="{FF2B5EF4-FFF2-40B4-BE49-F238E27FC236}">
-                <a16:creationId xmlns:a16="http://schemas.microsoft.com/office/drawing/2014/main" id="{1D3C6702-E79A-67C6-F826-2BCC0F98A173}"/>
-              </a:ext>
-            </a:extLst>
-          </p:cNvPr>
-          <p:cNvSpPr txBox="1"/>
-          <p:nvPr userDrawn="1"/>
-        </p:nvSpPr>
-        <p:spPr>
-          <a:xfrm>
-            <a:off x="993913" y="1993126"/>
-            <a:ext cx="1371600" cy="369332"/>
-          </a:xfrm>
-          <a:prstGeom prst="rect">
-            <a:avLst/>
-          </a:prstGeom>
-          <a:noFill/>
-        </p:spPr>
-        <p:txBody>
-          <a:bodyPr wrap="square" rtlCol="0">
-            <a:spAutoFit/>
-          </a:bodyPr>
-          <a:lstStyle/>
-          <a:p>
-            <a:pPr algn="ctr"/>
-            <a:r>
-              <a:rPr lang="en-US" dirty="0">
-                <a:solidFill>
-                  <a:schemeClr val="bg1"/>
-                </a:solidFill>
-              </a:rPr>
-              <a:t>Changes</a:t>
-            </a:r>
-            <a:endParaRPr lang="de-DE" dirty="0">
-              <a:solidFill>
-                <a:schemeClr val="bg1"/>
-              </a:solidFill>
-            </a:endParaRPr>
-          </a:p>
-        </p:txBody>
-      </p:sp>
-      <p:sp>
-        <p:nvSpPr>
           <p:cNvPr id="3" name="Content1">
             <a:extLst>
               <a:ext uri="{FF2B5EF4-FFF2-40B4-BE49-F238E27FC236}">
@@ -1313,6 +1268,81 @@
           <a:xfrm>
             <a:off x="2562989" y="2362458"/>
             <a:ext cx="1371600" cy="1002268"/>
+          </a:xfrm>
+        </p:spPr>
+        <p:txBody>
+          <a:bodyPr anchor="ctr">
+            <a:noAutofit/>
+          </a:bodyPr>
+          <a:lstStyle>
+            <a:lvl1pPr marL="0" indent="0" algn="ctr">
+              <a:spcBef>
+                <a:spcPts val="400"/>
+              </a:spcBef>
+              <a:buNone/>
+              <a:defRPr sz="2800" b="1">
+                <a:solidFill>
+                  <a:schemeClr val="bg1"/>
+                </a:solidFill>
+                <a:latin typeface="Segoe UI Light" panose="020B0502040204020203" pitchFamily="34" charset="0"/>
+                <a:cs typeface="Segoe UI Light" panose="020B0502040204020203" pitchFamily="34" charset="0"/>
+              </a:defRPr>
+            </a:lvl1pPr>
+            <a:lvl2pPr marL="457200" indent="0" algn="ctr">
+              <a:buNone/>
+              <a:defRPr sz="2800" b="1">
+                <a:latin typeface="Segoe UI Light" panose="020B0502040204020203" pitchFamily="34" charset="0"/>
+                <a:cs typeface="Segoe UI Light" panose="020B0502040204020203" pitchFamily="34" charset="0"/>
+              </a:defRPr>
+            </a:lvl2pPr>
+            <a:lvl3pPr marL="914400" indent="0" algn="ctr">
+              <a:buNone/>
+              <a:defRPr sz="2800" b="1">
+                <a:latin typeface="Segoe UI Light" panose="020B0502040204020203" pitchFamily="34" charset="0"/>
+                <a:cs typeface="Segoe UI Light" panose="020B0502040204020203" pitchFamily="34" charset="0"/>
+              </a:defRPr>
+            </a:lvl3pPr>
+            <a:lvl4pPr marL="1371600" indent="0" algn="ctr">
+              <a:buNone/>
+              <a:defRPr sz="2800" b="1">
+                <a:latin typeface="Segoe UI Light" panose="020B0502040204020203" pitchFamily="34" charset="0"/>
+                <a:cs typeface="Segoe UI Light" panose="020B0502040204020203" pitchFamily="34" charset="0"/>
+              </a:defRPr>
+            </a:lvl4pPr>
+            <a:lvl5pPr marL="1828800" indent="0" algn="ctr">
+              <a:buNone/>
+              <a:defRPr sz="2800" b="1">
+                <a:latin typeface="Segoe UI Light" panose="020B0502040204020203" pitchFamily="34" charset="0"/>
+                <a:cs typeface="Segoe UI Light" panose="020B0502040204020203" pitchFamily="34" charset="0"/>
+              </a:defRPr>
+            </a:lvl5pPr>
+          </a:lstStyle>
+          <a:p>
+            <a:pPr lvl="0"/>
+            <a:endParaRPr lang="de-DE" dirty="0"/>
+          </a:p>
+        </p:txBody>
+      </p:sp>
+      <p:sp>
+        <p:nvSpPr>
+          <p:cNvPr id="10" name="Header1">
+            <a:extLst>
+              <a:ext uri="{FF2B5EF4-FFF2-40B4-BE49-F238E27FC236}">
+                <a16:creationId xmlns:a16="http://schemas.microsoft.com/office/drawing/2014/main" id="{DE4AE299-49F6-B334-2BE3-233B20A7B0FF}"/>
+              </a:ext>
+            </a:extLst>
+          </p:cNvPr>
+          <p:cNvSpPr>
+            <a:spLocks noGrp="1"/>
+          </p:cNvSpPr>
+          <p:nvPr>
+            <p:ph idx="11"/>
+          </p:nvPr>
+        </p:nvSpPr>
+        <p:spPr>
+          <a:xfrm>
+            <a:off x="993913" y="1993126"/>
+            <a:ext cx="1371600" cy="369332"/>
           </a:xfrm>
         </p:spPr>
         <p:txBody>
@@ -2351,7 +2381,28 @@
       </p:sp>
       <p:sp>
         <p:nvSpPr>
-          <p:cNvPr id="3" name="Content1"/>
+          <p:cNvPr id="3" name="Header1"/>
+          <p:cNvSpPr>
+            <a:spLocks xmlns:a="http://schemas.openxmlformats.org/drawingml/2006/main" noGrp="1"/>
+          </p:cNvSpPr>
+          <p:nvPr>
+            <p:ph idx="11"/>
+          </p:nvPr>
+        </p:nvSpPr>
+        <p:spPr/>
+        <p:txBody>
+          <a:bodyPr xmlns:a="http://schemas.openxmlformats.org/drawingml/2006/main"/>
+          <a:lstStyle xmlns:a="http://schemas.openxmlformats.org/drawingml/2006/main"/>
+          <a:p xmlns:a="http://schemas.openxmlformats.org/drawingml/2006/main">
+            <a:r>
+              <a:t>Überschrift1</a:t>
+            </a:r>
+          </a:p>
+        </p:txBody>
+      </p:sp>
+      <p:sp>
+        <p:nvSpPr>
+          <p:cNvPr id="4" name="Content1"/>
           <p:cNvSpPr>
             <a:spLocks xmlns:a="http://schemas.openxmlformats.org/drawingml/2006/main" noGrp="1"/>
           </p:cNvSpPr>
@@ -2365,7 +2416,28 @@
           <a:lstStyle xmlns:a="http://schemas.openxmlformats.org/drawingml/2006/main"/>
           <a:p xmlns:a="http://schemas.openxmlformats.org/drawingml/2006/main">
             <a:r>
-              <a:t>Content1</a:t>
+              <a:t>Text1</a:t>
+            </a:r>
+          </a:p>
+        </p:txBody>
+      </p:sp>
+      <p:sp>
+        <p:nvSpPr>
+          <p:cNvPr id="5" name="Content2"/>
+          <p:cNvSpPr>
+            <a:spLocks xmlns:a="http://schemas.openxmlformats.org/drawingml/2006/main" noGrp="1"/>
+          </p:cNvSpPr>
+          <p:nvPr>
+            <p:ph idx="10"/>
+          </p:nvPr>
+        </p:nvSpPr>
+        <p:spPr/>
+        <p:txBody>
+          <a:bodyPr xmlns:a="http://schemas.openxmlformats.org/drawingml/2006/main"/>
+          <a:lstStyle xmlns:a="http://schemas.openxmlformats.org/drawingml/2006/main"/>
+          <a:p xmlns:a="http://schemas.openxmlformats.org/drawingml/2006/main">
+            <a:r>
+              <a:t>Text2</a:t>
             </a:r>
           </a:p>
         </p:txBody>

--- a/ChangeQueryExport/unifiedactiontracker-Technical Feedback-12-19-2023-Export.pptx
+++ b/ChangeQueryExport/unifiedactiontracker-Technical Feedback-12-19-2023-Export.pptx
@@ -1,12 +1,11 @@
 
 <file path=ppt/presentation.xml><?xml version="1.0" encoding="utf-8"?>
-<p:presentation xmlns:p15="http://schemas.microsoft.com/office/powerpoint/2012/main" xmlns:a="http://schemas.openxmlformats.org/drawingml/2006/main" xmlns:r="http://schemas.openxmlformats.org/officeDocument/2006/relationships" xmlns:p="http://schemas.openxmlformats.org/presentationml/2006/main" saveSubsetFonts="1">
+<p:presentation xmlns:a="http://schemas.openxmlformats.org/drawingml/2006/main" xmlns:r="http://schemas.openxmlformats.org/officeDocument/2006/relationships" xmlns:p="http://schemas.openxmlformats.org/presentationml/2006/main" saveSubsetFonts="1">
   <p:sldMasterIdLst>
     <p:sldMasterId id="2147483648" r:id="rId1"/>
   </p:sldMasterIdLst>
   <p:sldIdLst>
     <p:sldId id="256" r:id="rId2"/>
-    <p:sldId id="258" r:id="R0e34d47079a84dcb"/>
     <p:sldId id="257" r:id="rId3"/>
   </p:sldIdLst>
   <p:sldSz cx="12192000" cy="6858000"/>
@@ -198,7 +197,7 @@
 </file>
 
 <file path=ppt/slideLayouts/slideLayout1.xml><?xml version="1.0" encoding="utf-8"?>
-<p:sldLayout xmlns:a16="http://schemas.microsoft.com/office/drawing/2014/main" xmlns:p14="http://schemas.microsoft.com/office/powerpoint/2010/main" xmlns:a="http://schemas.openxmlformats.org/drawingml/2006/main" xmlns:r="http://schemas.openxmlformats.org/officeDocument/2006/relationships" xmlns:p="http://schemas.openxmlformats.org/presentationml/2006/main" preserve="1" userDrawn="1">
+<p:sldLayout xmlns:a="http://schemas.openxmlformats.org/drawingml/2006/main" xmlns:r="http://schemas.openxmlformats.org/officeDocument/2006/relationships" xmlns:p="http://schemas.openxmlformats.org/presentationml/2006/main" preserve="1" userDrawn="1">
   <p:cSld name="Title">
     <p:spTree>
       <p:nvGrpSpPr>
@@ -541,7 +540,7 @@
 </file>
 
 <file path=ppt/slideLayouts/slideLayout2.xml><?xml version="1.0" encoding="utf-8"?>
-<p:sldLayout xmlns:a16="http://schemas.microsoft.com/office/drawing/2014/main" xmlns:p14="http://schemas.microsoft.com/office/powerpoint/2010/main" xmlns:a="http://schemas.openxmlformats.org/drawingml/2006/main" xmlns:r="http://schemas.openxmlformats.org/officeDocument/2006/relationships" xmlns:p="http://schemas.openxmlformats.org/presentationml/2006/main" preserve="1" userDrawn="1">
+<p:sldLayout xmlns:a="http://schemas.openxmlformats.org/drawingml/2006/main" xmlns:r="http://schemas.openxmlformats.org/officeDocument/2006/relationships" xmlns:p="http://schemas.openxmlformats.org/presentationml/2006/main" preserve="1" userDrawn="1">
   <p:cSld name="Sub title">
     <p:spTree>
       <p:nvGrpSpPr>
@@ -884,7 +883,7 @@
 </file>
 
 <file path=ppt/slideLayouts/slideLayout3.xml><?xml version="1.0" encoding="utf-8"?>
-<p:sldLayout xmlns:a16="http://schemas.microsoft.com/office/drawing/2014/main" xmlns:p14="http://schemas.microsoft.com/office/powerpoint/2010/main" xmlns:a="http://schemas.openxmlformats.org/drawingml/2006/main" xmlns:r="http://schemas.openxmlformats.org/officeDocument/2006/relationships" xmlns:p="http://schemas.openxmlformats.org/presentationml/2006/main" preserve="1" userDrawn="1">
+<p:sldLayout xmlns:a="http://schemas.openxmlformats.org/drawingml/2006/main" xmlns:r="http://schemas.openxmlformats.org/officeDocument/2006/relationships" xmlns:p="http://schemas.openxmlformats.org/presentationml/2006/main" preserve="1" userDrawn="1">
   <p:cSld name="Overview">
     <p:spTree>
       <p:nvGrpSpPr>
@@ -1412,7 +1411,7 @@
 </file>
 
 <file path=ppt/slideLayouts/slideLayout4.xml><?xml version="1.0" encoding="utf-8"?>
-<p:sldLayout xmlns:a16="http://schemas.microsoft.com/office/drawing/2014/main" xmlns:p14="http://schemas.microsoft.com/office/powerpoint/2010/main" xmlns:a="http://schemas.openxmlformats.org/drawingml/2006/main" xmlns:r="http://schemas.openxmlformats.org/officeDocument/2006/relationships" xmlns:p="http://schemas.openxmlformats.org/presentationml/2006/main" type="obj" preserve="1">
+<p:sldLayout xmlns:a="http://schemas.openxmlformats.org/drawingml/2006/main" xmlns:r="http://schemas.openxmlformats.org/officeDocument/2006/relationships" xmlns:p="http://schemas.openxmlformats.org/presentationml/2006/main" type="obj" preserve="1">
   <p:cSld name="SingleChange">
     <p:spTree>
       <p:nvGrpSpPr>
@@ -2348,105 +2347,6 @@
 </p:sld>
 </file>
 
-<file path=ppt/slides/slide3.xml><?xml version="1.0" encoding="utf-8"?>
-<p:sld xmlns:p="http://schemas.openxmlformats.org/presentationml/2006/main">
-  <p:cSld>
-    <p:spTree>
-      <p:nvGrpSpPr>
-        <p:cNvPr id="1" name=""/>
-        <p:cNvGrpSpPr/>
-        <p:nvPr/>
-      </p:nvGrpSpPr>
-      <p:grpSpPr/>
-      <p:sp>
-        <p:nvSpPr>
-          <p:cNvPr id="2" name="Title"/>
-          <p:cNvSpPr>
-            <a:spLocks xmlns:a="http://schemas.openxmlformats.org/drawingml/2006/main" noGrp="1"/>
-          </p:cNvSpPr>
-          <p:nvPr>
-            <p:ph type="title"/>
-          </p:nvPr>
-        </p:nvSpPr>
-        <p:spPr/>
-        <p:txBody>
-          <a:bodyPr xmlns:a="http://schemas.openxmlformats.org/drawingml/2006/main"/>
-          <a:lstStyle xmlns:a="http://schemas.openxmlformats.org/drawingml/2006/main"/>
-          <a:p xmlns:a="http://schemas.openxmlformats.org/drawingml/2006/main">
-            <a:r>
-              <a:t>My new slide</a:t>
-            </a:r>
-          </a:p>
-        </p:txBody>
-      </p:sp>
-      <p:sp>
-        <p:nvSpPr>
-          <p:cNvPr id="3" name="Header1"/>
-          <p:cNvSpPr>
-            <a:spLocks xmlns:a="http://schemas.openxmlformats.org/drawingml/2006/main" noGrp="1"/>
-          </p:cNvSpPr>
-          <p:nvPr>
-            <p:ph idx="11"/>
-          </p:nvPr>
-        </p:nvSpPr>
-        <p:spPr/>
-        <p:txBody>
-          <a:bodyPr xmlns:a="http://schemas.openxmlformats.org/drawingml/2006/main"/>
-          <a:lstStyle xmlns:a="http://schemas.openxmlformats.org/drawingml/2006/main"/>
-          <a:p xmlns:a="http://schemas.openxmlformats.org/drawingml/2006/main">
-            <a:r>
-              <a:t>Überschrift1</a:t>
-            </a:r>
-          </a:p>
-        </p:txBody>
-      </p:sp>
-      <p:sp>
-        <p:nvSpPr>
-          <p:cNvPr id="4" name="Content1"/>
-          <p:cNvSpPr>
-            <a:spLocks xmlns:a="http://schemas.openxmlformats.org/drawingml/2006/main" noGrp="1"/>
-          </p:cNvSpPr>
-          <p:nvPr>
-            <p:ph idx="1"/>
-          </p:nvPr>
-        </p:nvSpPr>
-        <p:spPr/>
-        <p:txBody>
-          <a:bodyPr xmlns:a="http://schemas.openxmlformats.org/drawingml/2006/main"/>
-          <a:lstStyle xmlns:a="http://schemas.openxmlformats.org/drawingml/2006/main"/>
-          <a:p xmlns:a="http://schemas.openxmlformats.org/drawingml/2006/main">
-            <a:r>
-              <a:t>Text1</a:t>
-            </a:r>
-          </a:p>
-        </p:txBody>
-      </p:sp>
-      <p:sp>
-        <p:nvSpPr>
-          <p:cNvPr id="5" name="Content2"/>
-          <p:cNvSpPr>
-            <a:spLocks xmlns:a="http://schemas.openxmlformats.org/drawingml/2006/main" noGrp="1"/>
-          </p:cNvSpPr>
-          <p:nvPr>
-            <p:ph idx="10"/>
-          </p:nvPr>
-        </p:nvSpPr>
-        <p:spPr/>
-        <p:txBody>
-          <a:bodyPr xmlns:a="http://schemas.openxmlformats.org/drawingml/2006/main"/>
-          <a:lstStyle xmlns:a="http://schemas.openxmlformats.org/drawingml/2006/main"/>
-          <a:p xmlns:a="http://schemas.openxmlformats.org/drawingml/2006/main">
-            <a:r>
-              <a:t>Text2</a:t>
-            </a:r>
-          </a:p>
-        </p:txBody>
-      </p:sp>
-    </p:spTree>
-  </p:cSld>
-</p:sld>
-</file>
-
 <file path=ppt/theme/theme1.xml><?xml version="1.0" encoding="utf-8"?>
 <a:theme xmlns:a="http://schemas.openxmlformats.org/drawingml/2006/main" name="Office">
   <a:themeElements>
